--- a/ch19/第20章 数据库连接池（补充）.pptx
+++ b/ch19/第20章 数据库连接池（补充）.pptx
@@ -3345,8 +3345,8 @@
         </p:nvSpPr>
         <p:spPr bwMode="auto">
           <a:xfrm>
-            <a:off x="3287688" y="1285876"/>
-            <a:ext cx="4824536" cy="4525963"/>
+            <a:off x="623392" y="1285876"/>
+            <a:ext cx="7488832" cy="4525963"/>
           </a:xfrm>
           <a:noFill/>
           <a:extLst>
